--- a/doc/introduce.pptx
+++ b/doc/introduce.pptx
@@ -6,7 +6,7 @@
   </p:sldMasterIdLst>
   <p:sldIdLst>
     <p:sldId id="257" r:id="rId2"/>
-    <p:sldId id="258" r:id="rId3"/>
+    <p:sldId id="259" r:id="rId3"/>
   </p:sldIdLst>
   <p:sldSz cx="9144000" cy="6858000" type="screen4x3"/>
   <p:notesSz cx="6858000" cy="9144000"/>
@@ -289,7 +289,7 @@
           <a:p>
             <a:fld id="{AE1770A3-8C2C-E446-BE94-48E6CAFE43C7}" type="datetimeFigureOut">
               <a:rPr kumimoji="1" lang="zh-CN" altLang="en-US" smtClean="0"/>
-              <a:t>15-4-13</a:t>
+              <a:t>15-4-16</a:t>
             </a:fld>
             <a:endParaRPr kumimoji="1" lang="zh-CN" altLang="en-US"/>
           </a:p>
@@ -459,7 +459,7 @@
           <a:p>
             <a:fld id="{AE1770A3-8C2C-E446-BE94-48E6CAFE43C7}" type="datetimeFigureOut">
               <a:rPr kumimoji="1" lang="zh-CN" altLang="en-US" smtClean="0"/>
-              <a:t>15-4-13</a:t>
+              <a:t>15-4-16</a:t>
             </a:fld>
             <a:endParaRPr kumimoji="1" lang="zh-CN" altLang="en-US"/>
           </a:p>
@@ -639,7 +639,7 @@
           <a:p>
             <a:fld id="{AE1770A3-8C2C-E446-BE94-48E6CAFE43C7}" type="datetimeFigureOut">
               <a:rPr kumimoji="1" lang="zh-CN" altLang="en-US" smtClean="0"/>
-              <a:t>15-4-13</a:t>
+              <a:t>15-4-16</a:t>
             </a:fld>
             <a:endParaRPr kumimoji="1" lang="zh-CN" altLang="en-US"/>
           </a:p>
@@ -809,7 +809,7 @@
           <a:p>
             <a:fld id="{AE1770A3-8C2C-E446-BE94-48E6CAFE43C7}" type="datetimeFigureOut">
               <a:rPr kumimoji="1" lang="zh-CN" altLang="en-US" smtClean="0"/>
-              <a:t>15-4-13</a:t>
+              <a:t>15-4-16</a:t>
             </a:fld>
             <a:endParaRPr kumimoji="1" lang="zh-CN" altLang="en-US"/>
           </a:p>
@@ -1055,7 +1055,7 @@
           <a:p>
             <a:fld id="{AE1770A3-8C2C-E446-BE94-48E6CAFE43C7}" type="datetimeFigureOut">
               <a:rPr kumimoji="1" lang="zh-CN" altLang="en-US" smtClean="0"/>
-              <a:t>15-4-13</a:t>
+              <a:t>15-4-16</a:t>
             </a:fld>
             <a:endParaRPr kumimoji="1" lang="zh-CN" altLang="en-US"/>
           </a:p>
@@ -1343,7 +1343,7 @@
           <a:p>
             <a:fld id="{AE1770A3-8C2C-E446-BE94-48E6CAFE43C7}" type="datetimeFigureOut">
               <a:rPr kumimoji="1" lang="zh-CN" altLang="en-US" smtClean="0"/>
-              <a:t>15-4-13</a:t>
+              <a:t>15-4-16</a:t>
             </a:fld>
             <a:endParaRPr kumimoji="1" lang="zh-CN" altLang="en-US"/>
           </a:p>
@@ -1765,7 +1765,7 @@
           <a:p>
             <a:fld id="{AE1770A3-8C2C-E446-BE94-48E6CAFE43C7}" type="datetimeFigureOut">
               <a:rPr kumimoji="1" lang="zh-CN" altLang="en-US" smtClean="0"/>
-              <a:t>15-4-13</a:t>
+              <a:t>15-4-16</a:t>
             </a:fld>
             <a:endParaRPr kumimoji="1" lang="zh-CN" altLang="en-US"/>
           </a:p>
@@ -1883,7 +1883,7 @@
           <a:p>
             <a:fld id="{AE1770A3-8C2C-E446-BE94-48E6CAFE43C7}" type="datetimeFigureOut">
               <a:rPr kumimoji="1" lang="zh-CN" altLang="en-US" smtClean="0"/>
-              <a:t>15-4-13</a:t>
+              <a:t>15-4-16</a:t>
             </a:fld>
             <a:endParaRPr kumimoji="1" lang="zh-CN" altLang="en-US"/>
           </a:p>
@@ -1978,7 +1978,7 @@
           <a:p>
             <a:fld id="{AE1770A3-8C2C-E446-BE94-48E6CAFE43C7}" type="datetimeFigureOut">
               <a:rPr kumimoji="1" lang="zh-CN" altLang="en-US" smtClean="0"/>
-              <a:t>15-4-13</a:t>
+              <a:t>15-4-16</a:t>
             </a:fld>
             <a:endParaRPr kumimoji="1" lang="zh-CN" altLang="en-US"/>
           </a:p>
@@ -2255,7 +2255,7 @@
           <a:p>
             <a:fld id="{AE1770A3-8C2C-E446-BE94-48E6CAFE43C7}" type="datetimeFigureOut">
               <a:rPr kumimoji="1" lang="zh-CN" altLang="en-US" smtClean="0"/>
-              <a:t>15-4-13</a:t>
+              <a:t>15-4-16</a:t>
             </a:fld>
             <a:endParaRPr kumimoji="1" lang="zh-CN" altLang="en-US"/>
           </a:p>
@@ -2508,7 +2508,7 @@
           <a:p>
             <a:fld id="{AE1770A3-8C2C-E446-BE94-48E6CAFE43C7}" type="datetimeFigureOut">
               <a:rPr kumimoji="1" lang="zh-CN" altLang="en-US" smtClean="0"/>
-              <a:t>15-4-13</a:t>
+              <a:t>15-4-16</a:t>
             </a:fld>
             <a:endParaRPr kumimoji="1" lang="zh-CN" altLang="en-US"/>
           </a:p>
@@ -2721,7 +2721,7 @@
           <a:p>
             <a:fld id="{AE1770A3-8C2C-E446-BE94-48E6CAFE43C7}" type="datetimeFigureOut">
               <a:rPr kumimoji="1" lang="zh-CN" altLang="en-US" smtClean="0"/>
-              <a:t>15-4-13</a:t>
+              <a:t>15-4-16</a:t>
             </a:fld>
             <a:endParaRPr kumimoji="1" lang="zh-CN" altLang="en-US"/>
           </a:p>
@@ -3683,6 +3683,14 @@
 <file path=ppt/slides/slide2.xml><?xml version="1.0" encoding="utf-8"?>
 <p:sld xmlns:a="http://schemas.openxmlformats.org/drawingml/2006/main" xmlns:r="http://schemas.openxmlformats.org/officeDocument/2006/relationships" xmlns:p="http://schemas.openxmlformats.org/presentationml/2006/main">
   <p:cSld>
+    <p:bg>
+      <p:bgPr>
+        <a:solidFill>
+          <a:schemeClr val="bg1"/>
+        </a:solidFill>
+        <a:effectLst/>
+      </p:bgPr>
+    </p:bg>
     <p:spTree>
       <p:nvGrpSpPr>
         <p:cNvPr id="1" name=""/>
@@ -3697,78 +3705,560 @@
           <a:chExt cx="0" cy="0"/>
         </a:xfrm>
       </p:grpSpPr>
+      <p:sp>
+        <p:nvSpPr>
+          <p:cNvPr id="4" name="文本框 3"/>
+          <p:cNvSpPr txBox="1"/>
+          <p:nvPr/>
+        </p:nvSpPr>
+        <p:spPr>
+          <a:xfrm>
+            <a:off x="2582056" y="3199035"/>
+            <a:ext cx="938685" cy="938719"/>
+          </a:xfrm>
+          <a:prstGeom prst="rect">
+            <a:avLst/>
+          </a:prstGeom>
+          <a:noFill/>
+        </p:spPr>
+        <p:txBody>
+          <a:bodyPr wrap="none" rtlCol="0">
+            <a:spAutoFit/>
+          </a:bodyPr>
+          <a:lstStyle/>
+          <a:p>
+            <a:r>
+              <a:rPr kumimoji="1" lang="en-US" altLang="zh-CN" sz="1100" dirty="0" smtClean="0"/>
+              <a:t>DSC_001.JPG</a:t>
+            </a:r>
+          </a:p>
+          <a:p>
+            <a:r>
+              <a:rPr kumimoji="1" lang="en-US" altLang="zh-CN" sz="1100" dirty="0" smtClean="0"/>
+              <a:t>DSC_002.JPG</a:t>
+            </a:r>
+          </a:p>
+          <a:p>
+            <a:r>
+              <a:rPr kumimoji="1" lang="en-US" altLang="zh-CN" sz="1100" dirty="0" smtClean="0"/>
+              <a:t>DSC_003.JPG</a:t>
+            </a:r>
+          </a:p>
+          <a:p>
+            <a:r>
+              <a:rPr kumimoji="1" lang="en-US" altLang="zh-CN" sz="1100" dirty="0" smtClean="0"/>
+              <a:t>DSC_004.JPG</a:t>
+            </a:r>
+          </a:p>
+          <a:p>
+            <a:r>
+              <a:rPr kumimoji="1" lang="en-US" altLang="zh-CN" sz="1100" dirty="0" smtClean="0"/>
+              <a:t>DSC_005.JPG</a:t>
+            </a:r>
+          </a:p>
+        </p:txBody>
+      </p:sp>
+      <p:sp>
+        <p:nvSpPr>
+          <p:cNvPr id="6" name="文本框 5"/>
+          <p:cNvSpPr txBox="1"/>
+          <p:nvPr/>
+        </p:nvSpPr>
+        <p:spPr>
+          <a:xfrm>
+            <a:off x="2003093" y="2038136"/>
+            <a:ext cx="1569660" cy="369332"/>
+          </a:xfrm>
+          <a:prstGeom prst="rect">
+            <a:avLst/>
+          </a:prstGeom>
+          <a:noFill/>
+        </p:spPr>
+        <p:txBody>
+          <a:bodyPr wrap="none" rtlCol="0">
+            <a:spAutoFit/>
+          </a:bodyPr>
+          <a:lstStyle/>
+          <a:p>
+            <a:r>
+              <a:rPr kumimoji="1" lang="zh-CN" altLang="en-US" dirty="0" smtClean="0">
+                <a:latin typeface="黑体"/>
+                <a:ea typeface="黑体"/>
+                <a:cs typeface="黑体"/>
+              </a:rPr>
+              <a:t>相机原始文件</a:t>
+            </a:r>
+            <a:endParaRPr kumimoji="1" lang="zh-CN" altLang="en-US" dirty="0">
+              <a:latin typeface="黑体"/>
+              <a:ea typeface="黑体"/>
+              <a:cs typeface="黑体"/>
+            </a:endParaRPr>
+          </a:p>
+        </p:txBody>
+      </p:sp>
+      <p:sp>
+        <p:nvSpPr>
+          <p:cNvPr id="7" name="右箭头 6"/>
+          <p:cNvSpPr/>
+          <p:nvPr/>
+        </p:nvSpPr>
+        <p:spPr>
+          <a:xfrm>
+            <a:off x="3815226" y="2595905"/>
+            <a:ext cx="782987" cy="1260363"/>
+          </a:xfrm>
+          <a:prstGeom prst="rightArrow">
+            <a:avLst/>
+          </a:prstGeom>
+          <a:solidFill>
+            <a:schemeClr val="bg1">
+              <a:lumMod val="85000"/>
+            </a:schemeClr>
+          </a:solidFill>
+          <a:ln>
+            <a:noFill/>
+          </a:ln>
+        </p:spPr>
+        <p:style>
+          <a:lnRef idx="1">
+            <a:schemeClr val="accent1"/>
+          </a:lnRef>
+          <a:fillRef idx="3">
+            <a:schemeClr val="accent1"/>
+          </a:fillRef>
+          <a:effectRef idx="2">
+            <a:schemeClr val="accent1"/>
+          </a:effectRef>
+          <a:fontRef idx="minor">
+            <a:schemeClr val="lt1"/>
+          </a:fontRef>
+        </p:style>
+        <p:txBody>
+          <a:bodyPr rtlCol="0" anchor="ctr"/>
+          <a:lstStyle/>
+          <a:p>
+            <a:pPr algn="ctr"/>
+            <a:endParaRPr kumimoji="1" lang="zh-CN" altLang="en-US"/>
+          </a:p>
+        </p:txBody>
+      </p:sp>
+      <p:sp>
+        <p:nvSpPr>
+          <p:cNvPr id="16" name="文本框 15"/>
+          <p:cNvSpPr txBox="1"/>
+          <p:nvPr/>
+        </p:nvSpPr>
+        <p:spPr>
+          <a:xfrm>
+            <a:off x="4741443" y="2026059"/>
+            <a:ext cx="877163" cy="369332"/>
+          </a:xfrm>
+          <a:prstGeom prst="rect">
+            <a:avLst/>
+          </a:prstGeom>
+          <a:noFill/>
+        </p:spPr>
+        <p:txBody>
+          <a:bodyPr wrap="none" rtlCol="0">
+            <a:spAutoFit/>
+          </a:bodyPr>
+          <a:lstStyle>
+            <a:defPPr>
+              <a:defRPr lang="zh-CN"/>
+            </a:defPPr>
+            <a:lvl1pPr>
+              <a:defRPr kumimoji="1"/>
+            </a:lvl1pPr>
+          </a:lstStyle>
+          <a:p>
+            <a:r>
+              <a:rPr lang="zh-CN" altLang="en-US" dirty="0">
+                <a:ea typeface="黑体"/>
+                <a:cs typeface="黑体"/>
+              </a:rPr>
+              <a:t>转换后</a:t>
+            </a:r>
+          </a:p>
+        </p:txBody>
+      </p:sp>
+      <p:sp>
+        <p:nvSpPr>
+          <p:cNvPr id="17" name="文本框 16"/>
+          <p:cNvSpPr txBox="1"/>
+          <p:nvPr/>
+        </p:nvSpPr>
+        <p:spPr>
+          <a:xfrm>
+            <a:off x="2404761" y="2856755"/>
+            <a:ext cx="705279" cy="369332"/>
+          </a:xfrm>
+          <a:prstGeom prst="rect">
+            <a:avLst/>
+          </a:prstGeom>
+          <a:noFill/>
+        </p:spPr>
+        <p:txBody>
+          <a:bodyPr wrap="none" rtlCol="0">
+            <a:spAutoFit/>
+          </a:bodyPr>
+          <a:lstStyle/>
+          <a:p>
+            <a:r>
+              <a:rPr kumimoji="1" lang="en-US" altLang="zh-CN" dirty="0" smtClean="0"/>
+              <a:t>DCIM</a:t>
+            </a:r>
+            <a:endParaRPr kumimoji="1" lang="zh-CN" altLang="en-US" dirty="0"/>
+          </a:p>
+        </p:txBody>
+      </p:sp>
+      <p:sp>
+        <p:nvSpPr>
+          <p:cNvPr id="19" name="文本框 18"/>
+          <p:cNvSpPr txBox="1"/>
+          <p:nvPr/>
+        </p:nvSpPr>
+        <p:spPr>
+          <a:xfrm>
+            <a:off x="5033490" y="2561597"/>
+            <a:ext cx="1386392" cy="369332"/>
+          </a:xfrm>
+          <a:prstGeom prst="rect">
+            <a:avLst/>
+          </a:prstGeom>
+          <a:noFill/>
+        </p:spPr>
+        <p:txBody>
+          <a:bodyPr wrap="none" rtlCol="0">
+            <a:spAutoFit/>
+          </a:bodyPr>
+          <a:lstStyle/>
+          <a:p>
+            <a:r>
+              <a:rPr kumimoji="1" lang="en-US" altLang="zh-CN" dirty="0" smtClean="0"/>
+              <a:t>TargetFolder</a:t>
+            </a:r>
+            <a:endParaRPr kumimoji="1" lang="zh-CN" altLang="en-US" dirty="0"/>
+          </a:p>
+        </p:txBody>
+      </p:sp>
+      <p:sp>
+        <p:nvSpPr>
+          <p:cNvPr id="23" name="文本框 22"/>
+          <p:cNvSpPr txBox="1"/>
+          <p:nvPr/>
+        </p:nvSpPr>
+        <p:spPr>
+          <a:xfrm>
+            <a:off x="5339108" y="2916158"/>
+            <a:ext cx="1261959" cy="369332"/>
+          </a:xfrm>
+          <a:prstGeom prst="rect">
+            <a:avLst/>
+          </a:prstGeom>
+          <a:noFill/>
+        </p:spPr>
+        <p:txBody>
+          <a:bodyPr wrap="none" rtlCol="0">
+            <a:spAutoFit/>
+          </a:bodyPr>
+          <a:lstStyle/>
+          <a:p>
+            <a:r>
+              <a:rPr kumimoji="1" lang="en-US" altLang="zh-CN" dirty="0" smtClean="0"/>
+              <a:t>2015-04-10</a:t>
+            </a:r>
+            <a:endParaRPr kumimoji="1" lang="zh-CN" altLang="en-US" dirty="0"/>
+          </a:p>
+        </p:txBody>
+      </p:sp>
+      <p:sp>
+        <p:nvSpPr>
+          <p:cNvPr id="25" name="文本框 24"/>
+          <p:cNvSpPr txBox="1"/>
+          <p:nvPr/>
+        </p:nvSpPr>
+        <p:spPr>
+          <a:xfrm>
+            <a:off x="5352679" y="3556759"/>
+            <a:ext cx="1261959" cy="369332"/>
+          </a:xfrm>
+          <a:prstGeom prst="rect">
+            <a:avLst/>
+          </a:prstGeom>
+          <a:noFill/>
+        </p:spPr>
+        <p:txBody>
+          <a:bodyPr wrap="none" rtlCol="0">
+            <a:spAutoFit/>
+          </a:bodyPr>
+          <a:lstStyle/>
+          <a:p>
+            <a:r>
+              <a:rPr kumimoji="1" lang="en-US" altLang="zh-CN" dirty="0" smtClean="0"/>
+              <a:t>2015-04-11</a:t>
+            </a:r>
+            <a:endParaRPr kumimoji="1" lang="zh-CN" altLang="en-US" dirty="0"/>
+          </a:p>
+        </p:txBody>
+      </p:sp>
+      <p:sp>
+        <p:nvSpPr>
+          <p:cNvPr id="26" name="文本框 25"/>
+          <p:cNvSpPr txBox="1"/>
+          <p:nvPr/>
+        </p:nvSpPr>
+        <p:spPr>
+          <a:xfrm>
+            <a:off x="5494768" y="3221370"/>
+            <a:ext cx="1941357" cy="430887"/>
+          </a:xfrm>
+          <a:prstGeom prst="rect">
+            <a:avLst/>
+          </a:prstGeom>
+          <a:noFill/>
+        </p:spPr>
+        <p:txBody>
+          <a:bodyPr wrap="none" rtlCol="0">
+            <a:spAutoFit/>
+          </a:bodyPr>
+          <a:lstStyle/>
+          <a:p>
+            <a:r>
+              <a:rPr kumimoji="1" lang="en-US" altLang="zh-CN" sz="1100" dirty="0" smtClean="0"/>
+              <a:t>D7200_20150410_080203.JPG</a:t>
+            </a:r>
+          </a:p>
+          <a:p>
+            <a:r>
+              <a:rPr kumimoji="1" lang="en-US" altLang="zh-CN" sz="1100" dirty="0" smtClean="0"/>
+              <a:t>D7200_20150410_090312.JPG</a:t>
+            </a:r>
+          </a:p>
+        </p:txBody>
+      </p:sp>
+      <p:sp>
+        <p:nvSpPr>
+          <p:cNvPr id="28" name="文本框 27"/>
+          <p:cNvSpPr txBox="1"/>
+          <p:nvPr/>
+        </p:nvSpPr>
+        <p:spPr>
+          <a:xfrm>
+            <a:off x="5510813" y="3844886"/>
+            <a:ext cx="1941357" cy="600164"/>
+          </a:xfrm>
+          <a:prstGeom prst="rect">
+            <a:avLst/>
+          </a:prstGeom>
+          <a:noFill/>
+        </p:spPr>
+        <p:txBody>
+          <a:bodyPr wrap="none" rtlCol="0">
+            <a:spAutoFit/>
+          </a:bodyPr>
+          <a:lstStyle/>
+          <a:p>
+            <a:r>
+              <a:rPr kumimoji="1" lang="en-US" altLang="zh-CN" sz="1100" dirty="0" smtClean="0"/>
+              <a:t>D7200_20150411_182205.JPG</a:t>
+            </a:r>
+          </a:p>
+          <a:p>
+            <a:r>
+              <a:rPr kumimoji="1" lang="en-US" altLang="zh-CN" sz="1100" dirty="0" smtClean="0"/>
+              <a:t>D7200_20150411_193316.JPG</a:t>
+            </a:r>
+          </a:p>
+          <a:p>
+            <a:r>
+              <a:rPr kumimoji="1" lang="en-US" altLang="zh-CN" sz="1100" dirty="0" smtClean="0"/>
+              <a:t>D7200_20150411_193519.JPG</a:t>
+            </a:r>
+          </a:p>
+        </p:txBody>
+      </p:sp>
+      <p:sp>
+        <p:nvSpPr>
+          <p:cNvPr id="30" name="文本框 29"/>
+          <p:cNvSpPr txBox="1"/>
+          <p:nvPr/>
+        </p:nvSpPr>
+        <p:spPr>
+          <a:xfrm>
+            <a:off x="429687" y="276899"/>
+            <a:ext cx="2807295" cy="461665"/>
+          </a:xfrm>
+          <a:prstGeom prst="rect">
+            <a:avLst/>
+          </a:prstGeom>
+          <a:noFill/>
+        </p:spPr>
+        <p:txBody>
+          <a:bodyPr wrap="square" rtlCol="0">
+            <a:spAutoFit/>
+          </a:bodyPr>
+          <a:lstStyle/>
+          <a:p>
+            <a:r>
+              <a:rPr kumimoji="1" lang="zh-CN" altLang="en-US" sz="2400" dirty="0" smtClean="0">
+                <a:latin typeface="黑体"/>
+                <a:ea typeface="黑体"/>
+                <a:cs typeface="黑体"/>
+              </a:rPr>
+              <a:t>功能说明</a:t>
+            </a:r>
+            <a:endParaRPr kumimoji="1" lang="zh-CN" altLang="en-US" sz="2400" dirty="0">
+              <a:latin typeface="黑体"/>
+              <a:ea typeface="黑体"/>
+              <a:cs typeface="黑体"/>
+            </a:endParaRPr>
+          </a:p>
+        </p:txBody>
+      </p:sp>
+      <p:sp>
+        <p:nvSpPr>
+          <p:cNvPr id="31" name="文本框 30"/>
+          <p:cNvSpPr txBox="1"/>
+          <p:nvPr/>
+        </p:nvSpPr>
+        <p:spPr>
+          <a:xfrm>
+            <a:off x="1145246" y="1088495"/>
+            <a:ext cx="7776488" cy="338554"/>
+          </a:xfrm>
+          <a:prstGeom prst="rect">
+            <a:avLst/>
+          </a:prstGeom>
+          <a:noFill/>
+        </p:spPr>
+        <p:txBody>
+          <a:bodyPr wrap="none" rtlCol="0">
+            <a:spAutoFit/>
+          </a:bodyPr>
+          <a:lstStyle/>
+          <a:p>
+            <a:r>
+              <a:rPr kumimoji="1" lang="zh-CN" altLang="en-US" sz="1600" dirty="0" smtClean="0"/>
+              <a:t>用于将相机中不带日期的文件名转换为时间格式的文件名，并根据日期分目录存放。</a:t>
+            </a:r>
+            <a:endParaRPr kumimoji="1" lang="zh-CN" altLang="en-US" sz="1600" dirty="0"/>
+          </a:p>
+        </p:txBody>
+      </p:sp>
       <p:pic>
         <p:nvPicPr>
-          <p:cNvPr id="4" name="图片 3"/>
+          <p:cNvPr id="3" name="图片 2" descr="folder.png"/>
           <p:cNvPicPr>
             <a:picLocks noChangeAspect="1"/>
           </p:cNvPicPr>
           <p:nvPr/>
         </p:nvPicPr>
         <p:blipFill>
-          <a:blip r:embed="rId2"/>
+          <a:blip r:embed="rId2">
+            <a:extLst>
+              <a:ext uri="{28A0092B-C50C-407E-A947-70E740481C1C}">
+                <a14:useLocalDpi xmlns:a14="http://schemas.microsoft.com/office/drawing/2010/main" val="0"/>
+              </a:ext>
+            </a:extLst>
+          </a:blip>
           <a:stretch>
             <a:fillRect/>
           </a:stretch>
         </p:blipFill>
         <p:spPr>
-          <a:xfrm rot="18677956">
-            <a:off x="604442" y="463789"/>
-            <a:ext cx="3255258" cy="2441444"/>
+          <a:xfrm>
+            <a:off x="2192296" y="2916158"/>
+            <a:ext cx="282877" cy="282877"/>
           </a:xfrm>
           <a:prstGeom prst="rect">
             <a:avLst/>
           </a:prstGeom>
         </p:spPr>
       </p:pic>
-      <p:cxnSp>
-        <p:nvCxnSpPr>
-          <p:cNvPr id="6" name="曲线连接符 5"/>
-          <p:cNvCxnSpPr/>
-          <p:nvPr/>
-        </p:nvCxnSpPr>
-        <p:spPr>
-          <a:xfrm flipV="1">
-            <a:off x="3155401" y="1360009"/>
-            <a:ext cx="921761" cy="1062765"/>
-          </a:xfrm>
-          <a:prstGeom prst="curvedConnector2">
-            <a:avLst/>
-          </a:prstGeom>
-        </p:spPr>
-        <p:style>
-          <a:lnRef idx="2">
-            <a:schemeClr val="accent1"/>
-          </a:lnRef>
-          <a:fillRef idx="0">
-            <a:schemeClr val="accent1"/>
-          </a:fillRef>
-          <a:effectRef idx="1">
-            <a:schemeClr val="accent1"/>
-          </a:effectRef>
-          <a:fontRef idx="minor">
-            <a:schemeClr val="tx1"/>
-          </a:fontRef>
-        </p:style>
-      </p:cxnSp>
       <p:pic>
         <p:nvPicPr>
-          <p:cNvPr id="7" name="图片 6"/>
+          <p:cNvPr id="20" name="图片 19" descr="folder.png"/>
           <p:cNvPicPr>
             <a:picLocks noChangeAspect="1"/>
           </p:cNvPicPr>
           <p:nvPr/>
         </p:nvPicPr>
         <p:blipFill>
-          <a:blip r:embed="rId3"/>
+          <a:blip r:embed="rId2">
+            <a:extLst>
+              <a:ext uri="{28A0092B-C50C-407E-A947-70E740481C1C}">
+                <a14:useLocalDpi xmlns:a14="http://schemas.microsoft.com/office/drawing/2010/main" val="0"/>
+              </a:ext>
+            </a:extLst>
+          </a:blip>
           <a:stretch>
             <a:fillRect/>
           </a:stretch>
         </p:blipFill>
         <p:spPr>
           <a:xfrm>
-            <a:off x="3840107" y="895014"/>
-            <a:ext cx="474109" cy="474109"/>
+            <a:off x="4817790" y="2638504"/>
+            <a:ext cx="282877" cy="282877"/>
+          </a:xfrm>
+          <a:prstGeom prst="rect">
+            <a:avLst/>
+          </a:prstGeom>
+        </p:spPr>
+      </p:pic>
+      <p:pic>
+        <p:nvPicPr>
+          <p:cNvPr id="21" name="图片 20" descr="folder.png"/>
+          <p:cNvPicPr>
+            <a:picLocks noChangeAspect="1"/>
+          </p:cNvPicPr>
+          <p:nvPr/>
+        </p:nvPicPr>
+        <p:blipFill>
+          <a:blip r:embed="rId2">
+            <a:extLst>
+              <a:ext uri="{28A0092B-C50C-407E-A947-70E740481C1C}">
+                <a14:useLocalDpi xmlns:a14="http://schemas.microsoft.com/office/drawing/2010/main" val="0"/>
+              </a:ext>
+            </a:extLst>
+          </a:blip>
+          <a:stretch>
+            <a:fillRect/>
+          </a:stretch>
+        </p:blipFill>
+        <p:spPr>
+          <a:xfrm>
+            <a:off x="5130742" y="2981788"/>
+            <a:ext cx="282877" cy="282877"/>
+          </a:xfrm>
+          <a:prstGeom prst="rect">
+            <a:avLst/>
+          </a:prstGeom>
+        </p:spPr>
+      </p:pic>
+      <p:pic>
+        <p:nvPicPr>
+          <p:cNvPr id="27" name="图片 26" descr="folder.png"/>
+          <p:cNvPicPr>
+            <a:picLocks noChangeAspect="1"/>
+          </p:cNvPicPr>
+          <p:nvPr/>
+        </p:nvPicPr>
+        <p:blipFill>
+          <a:blip r:embed="rId2">
+            <a:extLst>
+              <a:ext uri="{28A0092B-C50C-407E-A947-70E740481C1C}">
+                <a14:useLocalDpi xmlns:a14="http://schemas.microsoft.com/office/drawing/2010/main" val="0"/>
+              </a:ext>
+            </a:extLst>
+          </a:blip>
+          <a:stretch>
+            <a:fillRect/>
+          </a:stretch>
+        </p:blipFill>
+        <p:spPr>
+          <a:xfrm>
+            <a:off x="5130742" y="3614955"/>
+            <a:ext cx="282877" cy="282877"/>
           </a:xfrm>
           <a:prstGeom prst="rect">
             <a:avLst/>
@@ -3778,7 +4268,7 @@
     </p:spTree>
     <p:extLst>
       <p:ext uri="{BB962C8B-B14F-4D97-AF65-F5344CB8AC3E}">
-        <p14:creationId xmlns:p14="http://schemas.microsoft.com/office/powerpoint/2010/main" val="2567431319"/>
+        <p14:creationId xmlns:p14="http://schemas.microsoft.com/office/powerpoint/2010/main" val="2547286439"/>
       </p:ext>
     </p:extLst>
   </p:cSld>
